--- a/Session II/Intro to Blockchain Programming_S2.pptx
+++ b/Session II/Intro to Blockchain Programming_S2.pptx
@@ -936,7 +936,7 @@
           <a:p>
             <a:fld id="{DAF35FC6-66A8-49F1-93B1-D8F6D5D2D414}" type="datetimeFigureOut">
               <a:rPr lang="en-US" smtClean="0"/>
-              <a:t>6/10/2022</a:t>
+              <a:t>6/15/2022</a:t>
             </a:fld>
             <a:endParaRPr lang="en-US"/>
           </a:p>
@@ -1134,7 +1134,7 @@
           <a:p>
             <a:fld id="{DAF35FC6-66A8-49F1-93B1-D8F6D5D2D414}" type="datetimeFigureOut">
               <a:rPr lang="en-US" smtClean="0"/>
-              <a:t>6/10/2022</a:t>
+              <a:t>6/15/2022</a:t>
             </a:fld>
             <a:endParaRPr lang="en-US"/>
           </a:p>
@@ -1375,7 +1375,7 @@
           <a:p>
             <a:fld id="{DAF35FC6-66A8-49F1-93B1-D8F6D5D2D414}" type="datetimeFigureOut">
               <a:rPr lang="en-US" smtClean="0"/>
-              <a:t>6/10/2022</a:t>
+              <a:t>6/15/2022</a:t>
             </a:fld>
             <a:endParaRPr lang="en-US"/>
           </a:p>
@@ -3212,7 +3212,7 @@
                   <a:srgbClr val="404040"/>
                 </a:solidFill>
               </a:rPr>
-              <a:t>Influenced: C++ C++, Python and JavaScript</a:t>
+              <a:t>Influenced: C++, Python, and JavaScript</a:t>
             </a:r>
           </a:p>
           <a:p>
